--- a/frontend-cursus/ 7 - TypeScript workshop.pptx
+++ b/frontend-cursus/ 7 - TypeScript workshop.pptx
@@ -249,7 +249,7 @@
           <a:p>
             <a:fld id="{42472E6F-81C1-4100-A3DE-879B16ADA6B9}" type="datetimeFigureOut">
               <a:rPr lang="nl-NL" smtClean="0"/>
-              <a:t>11-02-18</a:t>
+              <a:t>12-02-18</a:t>
             </a:fld>
             <a:endParaRPr lang="nl-NL"/>
           </a:p>
@@ -1727,7 +1727,7 @@
           <a:p>
             <a:fld id="{35F65C51-E4BF-4FAD-97FA-C994B8CE38B5}" type="datetimeFigureOut">
               <a:rPr lang="nl-NL" smtClean="0"/>
-              <a:t>11-02-18</a:t>
+              <a:t>12-02-18</a:t>
             </a:fld>
             <a:endParaRPr lang="nl-NL"/>
           </a:p>
@@ -1897,7 +1897,7 @@
           <a:p>
             <a:fld id="{35F65C51-E4BF-4FAD-97FA-C994B8CE38B5}" type="datetimeFigureOut">
               <a:rPr lang="nl-NL" smtClean="0"/>
-              <a:t>11-02-18</a:t>
+              <a:t>12-02-18</a:t>
             </a:fld>
             <a:endParaRPr lang="nl-NL"/>
           </a:p>
@@ -2077,7 +2077,7 @@
           <a:p>
             <a:fld id="{35F65C51-E4BF-4FAD-97FA-C994B8CE38B5}" type="datetimeFigureOut">
               <a:rPr lang="nl-NL" smtClean="0"/>
-              <a:t>11-02-18</a:t>
+              <a:t>12-02-18</a:t>
             </a:fld>
             <a:endParaRPr lang="nl-NL"/>
           </a:p>
@@ -2865,7 +2865,7 @@
           <a:p>
             <a:fld id="{35F65C51-E4BF-4FAD-97FA-C994B8CE38B5}" type="datetimeFigureOut">
               <a:rPr lang="nl-NL" smtClean="0"/>
-              <a:t>11-02-18</a:t>
+              <a:t>12-02-18</a:t>
             </a:fld>
             <a:endParaRPr lang="nl-NL"/>
           </a:p>
@@ -3111,7 +3111,7 @@
           <a:p>
             <a:fld id="{35F65C51-E4BF-4FAD-97FA-C994B8CE38B5}" type="datetimeFigureOut">
               <a:rPr lang="nl-NL" smtClean="0"/>
-              <a:t>11-02-18</a:t>
+              <a:t>12-02-18</a:t>
             </a:fld>
             <a:endParaRPr lang="nl-NL"/>
           </a:p>
@@ -3343,7 +3343,7 @@
           <a:p>
             <a:fld id="{35F65C51-E4BF-4FAD-97FA-C994B8CE38B5}" type="datetimeFigureOut">
               <a:rPr lang="nl-NL" smtClean="0"/>
-              <a:t>11-02-18</a:t>
+              <a:t>12-02-18</a:t>
             </a:fld>
             <a:endParaRPr lang="nl-NL"/>
           </a:p>
@@ -3710,7 +3710,7 @@
           <a:p>
             <a:fld id="{35F65C51-E4BF-4FAD-97FA-C994B8CE38B5}" type="datetimeFigureOut">
               <a:rPr lang="nl-NL" smtClean="0"/>
-              <a:t>11-02-18</a:t>
+              <a:t>12-02-18</a:t>
             </a:fld>
             <a:endParaRPr lang="nl-NL"/>
           </a:p>
@@ -3828,7 +3828,7 @@
           <a:p>
             <a:fld id="{35F65C51-E4BF-4FAD-97FA-C994B8CE38B5}" type="datetimeFigureOut">
               <a:rPr lang="nl-NL" smtClean="0"/>
-              <a:t>11-02-18</a:t>
+              <a:t>12-02-18</a:t>
             </a:fld>
             <a:endParaRPr lang="nl-NL"/>
           </a:p>
@@ -3923,7 +3923,7 @@
           <a:p>
             <a:fld id="{35F65C51-E4BF-4FAD-97FA-C994B8CE38B5}" type="datetimeFigureOut">
               <a:rPr lang="nl-NL" smtClean="0"/>
-              <a:t>11-02-18</a:t>
+              <a:t>12-02-18</a:t>
             </a:fld>
             <a:endParaRPr lang="nl-NL"/>
           </a:p>
@@ -4200,7 +4200,7 @@
           <a:p>
             <a:fld id="{35F65C51-E4BF-4FAD-97FA-C994B8CE38B5}" type="datetimeFigureOut">
               <a:rPr lang="nl-NL" smtClean="0"/>
-              <a:t>11-02-18</a:t>
+              <a:t>12-02-18</a:t>
             </a:fld>
             <a:endParaRPr lang="nl-NL"/>
           </a:p>
@@ -4453,7 +4453,7 @@
           <a:p>
             <a:fld id="{35F65C51-E4BF-4FAD-97FA-C994B8CE38B5}" type="datetimeFigureOut">
               <a:rPr lang="nl-NL" smtClean="0"/>
-              <a:t>11-02-18</a:t>
+              <a:t>12-02-18</a:t>
             </a:fld>
             <a:endParaRPr lang="nl-NL"/>
           </a:p>
@@ -4666,7 +4666,7 @@
           <a:p>
             <a:fld id="{35F65C51-E4BF-4FAD-97FA-C994B8CE38B5}" type="datetimeFigureOut">
               <a:rPr lang="nl-NL" smtClean="0"/>
-              <a:t>11-02-18</a:t>
+              <a:t>12-02-18</a:t>
             </a:fld>
             <a:endParaRPr lang="nl-NL"/>
           </a:p>
@@ -5178,16 +5178,60 @@
                 <a:solidFill>
                   <a:schemeClr val="tx1"/>
                 </a:solidFill>
+                <a:hlinkClick r:id="rId3"/>
               </a:rPr>
               <a:t>https://</a:t>
             </a:r>
             <a:r>
+              <a:rPr lang="en-US" b="1" dirty="0" smtClean="0">
+                <a:solidFill>
+                  <a:schemeClr val="tx1"/>
+                </a:solidFill>
+                <a:hlinkClick r:id="rId3"/>
+              </a:rPr>
+              <a:t>github.com/petereijgermans11/typescript</a:t>
+            </a:r>
+            <a:endParaRPr lang="en-US" b="1" dirty="0" smtClean="0">
+              <a:solidFill>
+                <a:schemeClr val="tx1"/>
+              </a:solidFill>
+            </a:endParaRPr>
+          </a:p>
+          <a:p>
+            <a:pPr algn="ctr">
+              <a:spcBef>
+                <a:spcPts val="0"/>
+              </a:spcBef>
+              <a:buNone/>
+            </a:pPr>
+            <a:endParaRPr lang="en-US" b="1" dirty="0">
+              <a:solidFill>
+                <a:schemeClr val="tx1"/>
+              </a:solidFill>
+            </a:endParaRPr>
+          </a:p>
+          <a:p>
+            <a:pPr algn="ctr">
+              <a:spcBef>
+                <a:spcPts val="0"/>
+              </a:spcBef>
+              <a:buNone/>
+            </a:pPr>
+            <a:r>
+              <a:rPr lang="en-US" b="1" dirty="0">
+                <a:solidFill>
+                  <a:schemeClr val="tx1"/>
+                </a:solidFill>
+              </a:rPr>
+              <a:t>https://</a:t>
+            </a:r>
+            <a:r>
               <a:rPr lang="en-US" b="1" dirty="0" err="1">
                 <a:solidFill>
                   <a:schemeClr val="tx1"/>
                 </a:solidFill>
               </a:rPr>
-              <a:t>github.com</a:t>
+              <a:t>www.youtube.com</a:t>
             </a:r>
             <a:r>
               <a:rPr lang="en-US" b="1" dirty="0">
@@ -5195,8 +5239,29 @@
                   <a:schemeClr val="tx1"/>
                 </a:solidFill>
               </a:rPr>
-              <a:t>/petereijgermans11/typescript</a:t>
-            </a:r>
+              <a:t>/</a:t>
+            </a:r>
+            <a:r>
+              <a:rPr lang="en-US" b="1" dirty="0" err="1">
+                <a:solidFill>
+                  <a:schemeClr val="tx1"/>
+                </a:solidFill>
+              </a:rPr>
+              <a:t>watch?v</a:t>
+            </a:r>
+            <a:r>
+              <a:rPr lang="en-US" b="1" dirty="0">
+                <a:solidFill>
+                  <a:schemeClr val="tx1"/>
+                </a:solidFill>
+              </a:rPr>
+              <a:t>=rAy_3SIqT-E&amp;t=2316s</a:t>
+            </a:r>
+            <a:endParaRPr lang="en-US" b="1" dirty="0">
+              <a:solidFill>
+                <a:schemeClr val="tx1"/>
+              </a:solidFill>
+            </a:endParaRPr>
           </a:p>
         </p:txBody>
       </p:sp>

--- a/frontend-cursus/ 7 - TypeScript workshop.pptx
+++ b/frontend-cursus/ 7 - TypeScript workshop.pptx
@@ -250,7 +250,7 @@
           <a:p>
             <a:fld id="{42472E6F-81C1-4100-A3DE-879B16ADA6B9}" type="datetimeFigureOut">
               <a:rPr lang="nl-NL" smtClean="0"/>
-              <a:t>13-02-18</a:t>
+              <a:t>30-04-18</a:t>
             </a:fld>
             <a:endParaRPr lang="nl-NL"/>
           </a:p>
@@ -1728,7 +1728,7 @@
           <a:p>
             <a:fld id="{35F65C51-E4BF-4FAD-97FA-C994B8CE38B5}" type="datetimeFigureOut">
               <a:rPr lang="nl-NL" smtClean="0"/>
-              <a:t>13-02-18</a:t>
+              <a:t>30-04-18</a:t>
             </a:fld>
             <a:endParaRPr lang="nl-NL"/>
           </a:p>
@@ -1898,7 +1898,7 @@
           <a:p>
             <a:fld id="{35F65C51-E4BF-4FAD-97FA-C994B8CE38B5}" type="datetimeFigureOut">
               <a:rPr lang="nl-NL" smtClean="0"/>
-              <a:t>13-02-18</a:t>
+              <a:t>30-04-18</a:t>
             </a:fld>
             <a:endParaRPr lang="nl-NL"/>
           </a:p>
@@ -2078,7 +2078,7 @@
           <a:p>
             <a:fld id="{35F65C51-E4BF-4FAD-97FA-C994B8CE38B5}" type="datetimeFigureOut">
               <a:rPr lang="nl-NL" smtClean="0"/>
-              <a:t>13-02-18</a:t>
+              <a:t>30-04-18</a:t>
             </a:fld>
             <a:endParaRPr lang="nl-NL"/>
           </a:p>
@@ -2866,7 +2866,7 @@
           <a:p>
             <a:fld id="{35F65C51-E4BF-4FAD-97FA-C994B8CE38B5}" type="datetimeFigureOut">
               <a:rPr lang="nl-NL" smtClean="0"/>
-              <a:t>13-02-18</a:t>
+              <a:t>30-04-18</a:t>
             </a:fld>
             <a:endParaRPr lang="nl-NL"/>
           </a:p>
@@ -3112,7 +3112,7 @@
           <a:p>
             <a:fld id="{35F65C51-E4BF-4FAD-97FA-C994B8CE38B5}" type="datetimeFigureOut">
               <a:rPr lang="nl-NL" smtClean="0"/>
-              <a:t>13-02-18</a:t>
+              <a:t>30-04-18</a:t>
             </a:fld>
             <a:endParaRPr lang="nl-NL"/>
           </a:p>
@@ -3344,7 +3344,7 @@
           <a:p>
             <a:fld id="{35F65C51-E4BF-4FAD-97FA-C994B8CE38B5}" type="datetimeFigureOut">
               <a:rPr lang="nl-NL" smtClean="0"/>
-              <a:t>13-02-18</a:t>
+              <a:t>30-04-18</a:t>
             </a:fld>
             <a:endParaRPr lang="nl-NL"/>
           </a:p>
@@ -3711,7 +3711,7 @@
           <a:p>
             <a:fld id="{35F65C51-E4BF-4FAD-97FA-C994B8CE38B5}" type="datetimeFigureOut">
               <a:rPr lang="nl-NL" smtClean="0"/>
-              <a:t>13-02-18</a:t>
+              <a:t>30-04-18</a:t>
             </a:fld>
             <a:endParaRPr lang="nl-NL"/>
           </a:p>
@@ -3829,7 +3829,7 @@
           <a:p>
             <a:fld id="{35F65C51-E4BF-4FAD-97FA-C994B8CE38B5}" type="datetimeFigureOut">
               <a:rPr lang="nl-NL" smtClean="0"/>
-              <a:t>13-02-18</a:t>
+              <a:t>30-04-18</a:t>
             </a:fld>
             <a:endParaRPr lang="nl-NL"/>
           </a:p>
@@ -3924,7 +3924,7 @@
           <a:p>
             <a:fld id="{35F65C51-E4BF-4FAD-97FA-C994B8CE38B5}" type="datetimeFigureOut">
               <a:rPr lang="nl-NL" smtClean="0"/>
-              <a:t>13-02-18</a:t>
+              <a:t>30-04-18</a:t>
             </a:fld>
             <a:endParaRPr lang="nl-NL"/>
           </a:p>
@@ -4201,7 +4201,7 @@
           <a:p>
             <a:fld id="{35F65C51-E4BF-4FAD-97FA-C994B8CE38B5}" type="datetimeFigureOut">
               <a:rPr lang="nl-NL" smtClean="0"/>
-              <a:t>13-02-18</a:t>
+              <a:t>30-04-18</a:t>
             </a:fld>
             <a:endParaRPr lang="nl-NL"/>
           </a:p>
@@ -4454,7 +4454,7 @@
           <a:p>
             <a:fld id="{35F65C51-E4BF-4FAD-97FA-C994B8CE38B5}" type="datetimeFigureOut">
               <a:rPr lang="nl-NL" smtClean="0"/>
-              <a:t>13-02-18</a:t>
+              <a:t>30-04-18</a:t>
             </a:fld>
             <a:endParaRPr lang="nl-NL"/>
           </a:p>
@@ -4667,7 +4667,7 @@
           <a:p>
             <a:fld id="{35F65C51-E4BF-4FAD-97FA-C994B8CE38B5}" type="datetimeFigureOut">
               <a:rPr lang="nl-NL" smtClean="0"/>
-              <a:t>13-02-18</a:t>
+              <a:t>30-04-18</a:t>
             </a:fld>
             <a:endParaRPr lang="nl-NL"/>
           </a:p>
@@ -18116,25 +18116,6 @@
             </a:r>
             <a:endParaRPr lang="nl-NL" dirty="0" smtClean="0"/>
           </a:p>
-          <a:p>
-            <a:r>
-              <a:rPr lang="nl-NL" dirty="0" smtClean="0"/>
-              <a:t>Git</a:t>
-            </a:r>
-            <a:r>
-              <a:rPr lang="nl-NL" dirty="0"/>
-              <a:t>: https</a:t>
-            </a:r>
-            <a:r>
-              <a:rPr lang="nl-NL"/>
-              <a:t>://</a:t>
-            </a:r>
-            <a:r>
-              <a:rPr lang="nl-NL" smtClean="0"/>
-              <a:t>github.com/EelcoMuller/TypeScriptWorkshop</a:t>
-            </a:r>
-            <a:endParaRPr lang="nl-NL" dirty="0"/>
-          </a:p>
         </p:txBody>
       </p:sp>
     </p:spTree>
@@ -18704,11 +18685,7 @@
             </a:r>
             <a:r>
               <a:rPr lang="en-US" dirty="0" smtClean="0"/>
-              <a:t> </a:t>
-            </a:r>
-            <a:r>
-              <a:rPr lang="en-US" dirty="0" smtClean="0"/>
-              <a:t>block-level </a:t>
+              <a:t> block-level </a:t>
             </a:r>
             <a:r>
               <a:rPr lang="en-US" dirty="0"/>
